--- a/Logo_Image/프레젠테이션1.pptx
+++ b/Logo_Image/프레젠테이션1.pptx
@@ -104,6 +104,11 @@
       </a:defRPr>
     </a:lvl9pPr>
   </p:defaultTextStyle>
+  <p:extLst>
+    <p:ext uri="{EFAFB233-063F-42B5-8137-9DF3F51BA10A}">
+      <p15:sldGuideLst xmlns:p15="http://schemas.microsoft.com/office/powerpoint/2012/main"/>
+    </p:ext>
+  </p:extLst>
 </p:presentation>
 </file>
 
@@ -3405,8 +3410,8 @@
         </p:blipFill>
         <p:spPr>
           <a:xfrm>
-            <a:off x="448184" y="915045"/>
-            <a:ext cx="2220588" cy="1310244"/>
+            <a:off x="472646" y="928414"/>
+            <a:ext cx="836828" cy="493765"/>
           </a:xfrm>
           <a:prstGeom prst="rect">
             <a:avLst/>
@@ -3448,13 +3453,13 @@
               </a:ext>
             </a:extLst>
           </a:blip>
-          <a:srcRect l="13789" t="6942" r="12859"/>
+          <a:srcRect l="13789" t="6942" r="12859" b="33999"/>
           <a:stretch/>
         </p:blipFill>
         <p:spPr>
           <a:xfrm>
-            <a:off x="2706224" y="703656"/>
-            <a:ext cx="2101461" cy="2666022"/>
+            <a:off x="2711940" y="863484"/>
+            <a:ext cx="657984" cy="529774"/>
           </a:xfrm>
           <a:prstGeom prst="rect">
             <a:avLst/>
@@ -3512,8 +3517,8 @@
         </p:blipFill>
         <p:spPr>
           <a:xfrm>
-            <a:off x="2761467" y="565467"/>
-            <a:ext cx="923828" cy="1004700"/>
+            <a:off x="1781181" y="863484"/>
+            <a:ext cx="569416" cy="619263"/>
           </a:xfrm>
           <a:prstGeom prst="rect">
             <a:avLst/>
@@ -3547,8 +3552,8 @@
         </p:blipFill>
         <p:spPr>
           <a:xfrm>
-            <a:off x="1494800" y="4632711"/>
-            <a:ext cx="2422847" cy="1648449"/>
+            <a:off x="678228" y="5106551"/>
+            <a:ext cx="952699" cy="648194"/>
           </a:xfrm>
           <a:prstGeom prst="rect">
             <a:avLst/>
@@ -3583,8 +3588,8 @@
         </p:blipFill>
         <p:spPr>
           <a:xfrm>
-            <a:off x="9430533" y="565467"/>
-            <a:ext cx="1903025" cy="1302644"/>
+            <a:off x="10759705" y="1650580"/>
+            <a:ext cx="872136" cy="596988"/>
           </a:xfrm>
           <a:prstGeom prst="rect">
             <a:avLst/>
@@ -3619,8 +3624,8 @@
         </p:blipFill>
         <p:spPr>
           <a:xfrm>
-            <a:off x="7174002" y="557149"/>
-            <a:ext cx="1969998" cy="1263987"/>
+            <a:off x="9300113" y="1570982"/>
+            <a:ext cx="1123888" cy="721107"/>
           </a:xfrm>
           <a:prstGeom prst="rect">
             <a:avLst/>
@@ -3696,14 +3701,1893 @@
         </p:blipFill>
         <p:spPr>
           <a:xfrm>
-            <a:off x="903372" y="2894251"/>
-            <a:ext cx="1310211" cy="1069498"/>
+            <a:off x="455783" y="2557583"/>
+            <a:ext cx="861373" cy="703121"/>
           </a:xfrm>
           <a:prstGeom prst="rect">
             <a:avLst/>
           </a:prstGeom>
         </p:spPr>
       </p:pic>
+      <p:pic>
+        <p:nvPicPr>
+          <p:cNvPr id="1026" name="Picture 2">
+            <a:extLst>
+              <a:ext uri="{FF2B5EF4-FFF2-40B4-BE49-F238E27FC236}">
+                <a16:creationId xmlns:a16="http://schemas.microsoft.com/office/drawing/2014/main" id="{1510A32F-CF82-6B64-94BF-41682B418597}"/>
+              </a:ext>
+            </a:extLst>
+          </p:cNvPr>
+          <p:cNvPicPr>
+            <a:picLocks noChangeAspect="1" noChangeArrowheads="1"/>
+          </p:cNvPicPr>
+          <p:nvPr/>
+        </p:nvPicPr>
+        <p:blipFill rotWithShape="1">
+          <a:blip r:embed="rId13">
+            <a:extLst>
+              <a:ext uri="{BEBA8EAE-BF5A-486C-A8C5-ECC9F3942E4B}">
+                <a14:imgProps xmlns:a14="http://schemas.microsoft.com/office/drawing/2010/main">
+                  <a14:imgLayer r:embed="rId14">
+                    <a14:imgEffect>
+                      <a14:backgroundRemoval t="10000" b="90000" l="10000" r="90000">
+                        <a14:foregroundMark x1="77917" y1="36049" x2="84583" y2="49630"/>
+                        <a14:foregroundMark x1="85556" y1="48395" x2="78056" y2="38272"/>
+                        <a14:foregroundMark x1="78056" y1="38272" x2="77222" y2="37778"/>
+                        <a14:foregroundMark x1="84861" y1="44938" x2="78333" y2="36543"/>
+                        <a14:foregroundMark x1="19306" y1="30123" x2="16528" y2="44938"/>
+                        <a14:foregroundMark x1="16528" y1="44938" x2="18056" y2="50864"/>
+                        <a14:foregroundMark x1="20139" y1="31111" x2="16250" y2="44198"/>
+                        <a14:foregroundMark x1="18611" y1="31852" x2="16528" y2="43704"/>
+                        <a14:foregroundMark x1="17778" y1="33580" x2="15972" y2="43457"/>
+                        <a14:foregroundMark x1="18750" y1="29877" x2="18333" y2="31111"/>
+                        <a14:foregroundMark x1="18333" y1="31111" x2="16806" y2="48642"/>
+                        <a14:foregroundMark x1="16806" y1="48642" x2="17778" y2="51605"/>
+                        <a14:foregroundMark x1="16528" y1="42963" x2="20972" y2="54074"/>
+                      </a14:backgroundRemoval>
+                    </a14:imgEffect>
+                  </a14:imgLayer>
+                </a14:imgProps>
+              </a:ext>
+              <a:ext uri="{28A0092B-C50C-407E-A947-70E740481C1C}">
+                <a14:useLocalDpi xmlns:a14="http://schemas.microsoft.com/office/drawing/2010/main" val="0"/>
+              </a:ext>
+            </a:extLst>
+          </a:blip>
+          <a:srcRect l="12534" t="21158" r="8023" b="28238"/>
+          <a:stretch/>
+        </p:blipFill>
+        <p:spPr bwMode="auto">
+          <a:xfrm>
+            <a:off x="6282615" y="1443006"/>
+            <a:ext cx="1724296" cy="617812"/>
+          </a:xfrm>
+          <a:prstGeom prst="rect">
+            <a:avLst/>
+          </a:prstGeom>
+          <a:noFill/>
+          <a:extLst>
+            <a:ext uri="{909E8E84-426E-40DD-AFC4-6F175D3DCCD1}">
+              <a14:hiddenFill xmlns:a14="http://schemas.microsoft.com/office/drawing/2010/main">
+                <a:solidFill>
+                  <a:srgbClr val="FFFFFF"/>
+                </a:solidFill>
+              </a14:hiddenFill>
+            </a:ext>
+          </a:extLst>
+        </p:spPr>
+      </p:pic>
+      <p:pic>
+        <p:nvPicPr>
+          <p:cNvPr id="3" name="그림 2">
+            <a:extLst>
+              <a:ext uri="{FF2B5EF4-FFF2-40B4-BE49-F238E27FC236}">
+                <a16:creationId xmlns:a16="http://schemas.microsoft.com/office/drawing/2014/main" id="{5E51A1BC-7377-FD93-C203-94144B6E487C}"/>
+              </a:ext>
+            </a:extLst>
+          </p:cNvPr>
+          <p:cNvPicPr>
+            <a:picLocks noChangeAspect="1"/>
+          </p:cNvPicPr>
+          <p:nvPr/>
+        </p:nvPicPr>
+        <p:blipFill>
+          <a:blip r:embed="rId15">
+            <a:extLst>
+              <a:ext uri="{28A0092B-C50C-407E-A947-70E740481C1C}">
+                <a14:useLocalDpi xmlns:a14="http://schemas.microsoft.com/office/drawing/2010/main" val="0"/>
+              </a:ext>
+            </a:extLst>
+          </a:blip>
+          <a:stretch>
+            <a:fillRect/>
+          </a:stretch>
+        </p:blipFill>
+        <p:spPr>
+          <a:xfrm>
+            <a:off x="6664815" y="2488608"/>
+            <a:ext cx="747375" cy="920517"/>
+          </a:xfrm>
+          <a:prstGeom prst="rect">
+            <a:avLst/>
+          </a:prstGeom>
+        </p:spPr>
+      </p:pic>
+      <p:pic>
+        <p:nvPicPr>
+          <p:cNvPr id="6" name="그림 5">
+            <a:extLst>
+              <a:ext uri="{FF2B5EF4-FFF2-40B4-BE49-F238E27FC236}">
+                <a16:creationId xmlns:a16="http://schemas.microsoft.com/office/drawing/2014/main" id="{A1FC188B-E6E9-A386-ACCB-0781A85C3DF3}"/>
+              </a:ext>
+            </a:extLst>
+          </p:cNvPr>
+          <p:cNvPicPr>
+            <a:picLocks noChangeAspect="1"/>
+          </p:cNvPicPr>
+          <p:nvPr/>
+        </p:nvPicPr>
+        <p:blipFill>
+          <a:blip r:embed="rId16">
+            <a:extLst>
+              <a:ext uri="{28A0092B-C50C-407E-A947-70E740481C1C}">
+                <a14:useLocalDpi xmlns:a14="http://schemas.microsoft.com/office/drawing/2010/main" val="0"/>
+              </a:ext>
+            </a:extLst>
+          </a:blip>
+          <a:stretch>
+            <a:fillRect/>
+          </a:stretch>
+        </p:blipFill>
+        <p:spPr>
+          <a:xfrm>
+            <a:off x="9605352" y="5482155"/>
+            <a:ext cx="676407" cy="496188"/>
+          </a:xfrm>
+          <a:prstGeom prst="rect">
+            <a:avLst/>
+          </a:prstGeom>
+        </p:spPr>
+      </p:pic>
+      <p:pic>
+        <p:nvPicPr>
+          <p:cNvPr id="8" name="그림 7">
+            <a:extLst>
+              <a:ext uri="{FF2B5EF4-FFF2-40B4-BE49-F238E27FC236}">
+                <a16:creationId xmlns:a16="http://schemas.microsoft.com/office/drawing/2014/main" id="{1F6A11A9-1A4E-2BE8-5D6F-532226ABF869}"/>
+              </a:ext>
+            </a:extLst>
+          </p:cNvPr>
+          <p:cNvPicPr>
+            <a:picLocks noChangeAspect="1"/>
+          </p:cNvPicPr>
+          <p:nvPr/>
+        </p:nvPicPr>
+        <p:blipFill rotWithShape="1">
+          <a:blip r:embed="rId17">
+            <a:extLst>
+              <a:ext uri="{BEBA8EAE-BF5A-486C-A8C5-ECC9F3942E4B}">
+                <a14:imgProps xmlns:a14="http://schemas.microsoft.com/office/drawing/2010/main">
+                  <a14:imgLayer r:embed="rId18">
+                    <a14:imgEffect>
+                      <a14:backgroundRemoval t="4052" b="58833" l="1196" r="99783">
+                        <a14:foregroundMark x1="38587" y1="45867" x2="38587" y2="45867"/>
+                        <a14:foregroundMark x1="16196" y1="45057" x2="16196" y2="45057"/>
+                        <a14:foregroundMark x1="14783" y1="46353" x2="14783" y2="46353"/>
+                        <a14:foregroundMark x1="12717" y1="43112" x2="18587" y2="39870"/>
+                        <a14:foregroundMark x1="8913" y1="27553" x2="8152" y2="28687"/>
+                        <a14:foregroundMark x1="7391" y1="6483" x2="7609" y2="16045"/>
+                        <a14:foregroundMark x1="7609" y1="16045" x2="9022" y2="13290"/>
+                        <a14:foregroundMark x1="13370" y1="4052" x2="13696" y2="16207"/>
+                        <a14:foregroundMark x1="13696" y1="16207" x2="14022" y2="7131"/>
+                        <a14:foregroundMark x1="14022" y1="7131" x2="14348" y2="15883"/>
+                        <a14:foregroundMark x1="14348" y1="15883" x2="14674" y2="16370"/>
+                        <a14:foregroundMark x1="20217" y1="5997" x2="19565" y2="19773"/>
+                        <a14:foregroundMark x1="24891" y1="13128" x2="25978" y2="20259"/>
+                        <a14:foregroundMark x1="1304" y1="33874" x2="2283" y2="33063"/>
+                        <a14:foregroundMark x1="3696" y1="38574" x2="5326" y2="43274"/>
+                        <a14:foregroundMark x1="59891" y1="56564" x2="66304" y2="57861"/>
+                        <a14:foregroundMark x1="66304" y1="57861" x2="66630" y2="57699"/>
+                        <a14:foregroundMark x1="85109" y1="36791" x2="87283" y2="47326"/>
+                        <a14:foregroundMark x1="87283" y1="47326" x2="85652" y2="44408"/>
+                        <a14:foregroundMark x1="93261" y1="33063" x2="95978" y2="47488"/>
+                        <a14:foregroundMark x1="95978" y1="47488" x2="95978" y2="48136"/>
+                        <a14:foregroundMark x1="98696" y1="39546" x2="99783" y2="45543"/>
+                        <a14:foregroundMark x1="85543" y1="56888" x2="91522" y2="58833"/>
+                      </a14:backgroundRemoval>
+                    </a14:imgEffect>
+                  </a14:imgLayer>
+                </a14:imgProps>
+              </a:ext>
+              <a:ext uri="{28A0092B-C50C-407E-A947-70E740481C1C}">
+                <a14:useLocalDpi xmlns:a14="http://schemas.microsoft.com/office/drawing/2010/main" val="0"/>
+              </a:ext>
+            </a:extLst>
+          </a:blip>
+          <a:srcRect b="36260"/>
+          <a:stretch/>
+        </p:blipFill>
+        <p:spPr>
+          <a:xfrm>
+            <a:off x="9574026" y="4920050"/>
+            <a:ext cx="800280" cy="342098"/>
+          </a:xfrm>
+          <a:prstGeom prst="rect">
+            <a:avLst/>
+          </a:prstGeom>
+        </p:spPr>
+      </p:pic>
+      <p:sp>
+        <p:nvSpPr>
+          <p:cNvPr id="10" name="TextBox 9">
+            <a:extLst>
+              <a:ext uri="{FF2B5EF4-FFF2-40B4-BE49-F238E27FC236}">
+                <a16:creationId xmlns:a16="http://schemas.microsoft.com/office/drawing/2014/main" id="{4CBF9CC1-C1B9-F353-9581-CC9CA84DA5D4}"/>
+              </a:ext>
+            </a:extLst>
+          </p:cNvPr>
+          <p:cNvSpPr txBox="1"/>
+          <p:nvPr/>
+        </p:nvSpPr>
+        <p:spPr>
+          <a:xfrm>
+            <a:off x="362811" y="1548505"/>
+            <a:ext cx="1105232" cy="276999"/>
+          </a:xfrm>
+          <a:prstGeom prst="rect">
+            <a:avLst/>
+          </a:prstGeom>
+          <a:noFill/>
+        </p:spPr>
+        <p:txBody>
+          <a:bodyPr wrap="square" rtlCol="0">
+            <a:spAutoFit/>
+          </a:bodyPr>
+          <a:lstStyle/>
+          <a:p>
+            <a:pPr algn="ctr"/>
+            <a:r>
+              <a:rPr lang="ko-KR" altLang="en-US" sz="1200" b="1" dirty="0"/>
+              <a:t>초음파센서</a:t>
+            </a:r>
+          </a:p>
+        </p:txBody>
+      </p:sp>
+      <p:sp>
+        <p:nvSpPr>
+          <p:cNvPr id="18" name="TextBox 17">
+            <a:extLst>
+              <a:ext uri="{FF2B5EF4-FFF2-40B4-BE49-F238E27FC236}">
+                <a16:creationId xmlns:a16="http://schemas.microsoft.com/office/drawing/2014/main" id="{9C49E64C-5051-6E45-AFCB-26D66CE5B9E0}"/>
+              </a:ext>
+            </a:extLst>
+          </p:cNvPr>
+          <p:cNvSpPr txBox="1"/>
+          <p:nvPr/>
+        </p:nvSpPr>
+        <p:spPr>
+          <a:xfrm>
+            <a:off x="1611656" y="1548504"/>
+            <a:ext cx="843214" cy="276999"/>
+          </a:xfrm>
+          <a:prstGeom prst="rect">
+            <a:avLst/>
+          </a:prstGeom>
+          <a:noFill/>
+        </p:spPr>
+        <p:txBody>
+          <a:bodyPr wrap="square" rtlCol="0">
+            <a:spAutoFit/>
+          </a:bodyPr>
+          <a:lstStyle/>
+          <a:p>
+            <a:pPr algn="ctr"/>
+            <a:r>
+              <a:rPr lang="ko-KR" altLang="en-US" sz="1200" b="1" dirty="0"/>
+              <a:t>가변저항</a:t>
+            </a:r>
+            <a:endParaRPr lang="en-US" altLang="ko-KR" sz="1200" b="1" dirty="0"/>
+          </a:p>
+        </p:txBody>
+      </p:sp>
+      <p:sp>
+        <p:nvSpPr>
+          <p:cNvPr id="20" name="TextBox 19">
+            <a:extLst>
+              <a:ext uri="{FF2B5EF4-FFF2-40B4-BE49-F238E27FC236}">
+                <a16:creationId xmlns:a16="http://schemas.microsoft.com/office/drawing/2014/main" id="{2A8A392F-F9C1-317F-F1FF-F119431434AA}"/>
+              </a:ext>
+            </a:extLst>
+          </p:cNvPr>
+          <p:cNvSpPr txBox="1"/>
+          <p:nvPr/>
+        </p:nvSpPr>
+        <p:spPr>
+          <a:xfrm>
+            <a:off x="2828227" y="1550342"/>
+            <a:ext cx="589239" cy="276999"/>
+          </a:xfrm>
+          <a:prstGeom prst="rect">
+            <a:avLst/>
+          </a:prstGeom>
+          <a:noFill/>
+        </p:spPr>
+        <p:txBody>
+          <a:bodyPr wrap="square" rtlCol="0">
+            <a:spAutoFit/>
+          </a:bodyPr>
+          <a:lstStyle/>
+          <a:p>
+            <a:pPr algn="ctr"/>
+            <a:r>
+              <a:rPr lang="en-US" altLang="ko-KR" sz="1200" b="1" dirty="0"/>
+              <a:t>LED</a:t>
+            </a:r>
+            <a:endParaRPr lang="ko-KR" altLang="en-US" sz="1200" b="1" dirty="0"/>
+          </a:p>
+        </p:txBody>
+      </p:sp>
+      <p:sp>
+        <p:nvSpPr>
+          <p:cNvPr id="21" name="TextBox 20">
+            <a:extLst>
+              <a:ext uri="{FF2B5EF4-FFF2-40B4-BE49-F238E27FC236}">
+                <a16:creationId xmlns:a16="http://schemas.microsoft.com/office/drawing/2014/main" id="{CE6CD70D-A420-845B-F5C8-92BF2EF0C58C}"/>
+              </a:ext>
+            </a:extLst>
+          </p:cNvPr>
+          <p:cNvSpPr txBox="1"/>
+          <p:nvPr/>
+        </p:nvSpPr>
+        <p:spPr>
+          <a:xfrm>
+            <a:off x="1065674" y="2644338"/>
+            <a:ext cx="1130506" cy="276999"/>
+          </a:xfrm>
+          <a:prstGeom prst="rect">
+            <a:avLst/>
+          </a:prstGeom>
+          <a:noFill/>
+        </p:spPr>
+        <p:txBody>
+          <a:bodyPr wrap="square" rtlCol="0">
+            <a:spAutoFit/>
+          </a:bodyPr>
+          <a:lstStyle/>
+          <a:p>
+            <a:pPr algn="ctr"/>
+            <a:r>
+              <a:rPr lang="en-US" altLang="ko-KR" sz="1200" b="1" dirty="0"/>
+              <a:t>ESP8266</a:t>
+            </a:r>
+            <a:endParaRPr lang="ko-KR" altLang="en-US" sz="1200" b="1" dirty="0"/>
+          </a:p>
+        </p:txBody>
+      </p:sp>
+      <p:sp>
+        <p:nvSpPr>
+          <p:cNvPr id="22" name="TextBox 21">
+            <a:extLst>
+              <a:ext uri="{FF2B5EF4-FFF2-40B4-BE49-F238E27FC236}">
+                <a16:creationId xmlns:a16="http://schemas.microsoft.com/office/drawing/2014/main" id="{6D98996C-3E81-0471-412A-CCD4CD586B4A}"/>
+              </a:ext>
+            </a:extLst>
+          </p:cNvPr>
+          <p:cNvSpPr txBox="1"/>
+          <p:nvPr/>
+        </p:nvSpPr>
+        <p:spPr>
+          <a:xfrm>
+            <a:off x="5981215" y="2062592"/>
+            <a:ext cx="2211978" cy="276999"/>
+          </a:xfrm>
+          <a:prstGeom prst="rect">
+            <a:avLst/>
+          </a:prstGeom>
+          <a:noFill/>
+        </p:spPr>
+        <p:txBody>
+          <a:bodyPr wrap="square" rtlCol="0">
+            <a:spAutoFit/>
+          </a:bodyPr>
+          <a:lstStyle/>
+          <a:p>
+            <a:pPr algn="ctr"/>
+            <a:r>
+              <a:rPr lang="en-US" altLang="ko-KR" sz="1200" b="1" dirty="0"/>
+              <a:t>Intel </a:t>
+            </a:r>
+            <a:r>
+              <a:rPr lang="en-US" altLang="ko-KR" sz="1200" b="1" dirty="0" err="1"/>
+              <a:t>Realsense</a:t>
+            </a:r>
+            <a:r>
+              <a:rPr lang="en-US" altLang="ko-KR" sz="1200" b="1" dirty="0"/>
+              <a:t> D435</a:t>
+            </a:r>
+            <a:endParaRPr lang="ko-KR" altLang="en-US" sz="1200" b="1" dirty="0"/>
+          </a:p>
+        </p:txBody>
+      </p:sp>
+      <p:sp>
+        <p:nvSpPr>
+          <p:cNvPr id="23" name="TextBox 22">
+            <a:extLst>
+              <a:ext uri="{FF2B5EF4-FFF2-40B4-BE49-F238E27FC236}">
+                <a16:creationId xmlns:a16="http://schemas.microsoft.com/office/drawing/2014/main" id="{D026A20D-DFE1-0297-D0B4-67D8FA92ECBD}"/>
+              </a:ext>
+            </a:extLst>
+          </p:cNvPr>
+          <p:cNvSpPr txBox="1"/>
+          <p:nvPr/>
+        </p:nvSpPr>
+        <p:spPr>
+          <a:xfrm>
+            <a:off x="9276156" y="2260173"/>
+            <a:ext cx="1130506" cy="276999"/>
+          </a:xfrm>
+          <a:prstGeom prst="rect">
+            <a:avLst/>
+          </a:prstGeom>
+          <a:noFill/>
+        </p:spPr>
+        <p:txBody>
+          <a:bodyPr wrap="square" rtlCol="0">
+            <a:spAutoFit/>
+          </a:bodyPr>
+          <a:lstStyle/>
+          <a:p>
+            <a:pPr algn="ctr"/>
+            <a:r>
+              <a:rPr lang="en-US" altLang="ko-KR" sz="1200" b="1" dirty="0" err="1"/>
+              <a:t>Dynamixel</a:t>
+            </a:r>
+            <a:endParaRPr lang="en-US" altLang="ko-KR" sz="1200" b="1" dirty="0"/>
+          </a:p>
+        </p:txBody>
+      </p:sp>
+      <p:sp>
+        <p:nvSpPr>
+          <p:cNvPr id="24" name="TextBox 23">
+            <a:extLst>
+              <a:ext uri="{FF2B5EF4-FFF2-40B4-BE49-F238E27FC236}">
+                <a16:creationId xmlns:a16="http://schemas.microsoft.com/office/drawing/2014/main" id="{AEAF3430-B204-F161-C89E-D4E4F4ECAF72}"/>
+              </a:ext>
+            </a:extLst>
+          </p:cNvPr>
+          <p:cNvSpPr txBox="1"/>
+          <p:nvPr/>
+        </p:nvSpPr>
+        <p:spPr>
+          <a:xfrm>
+            <a:off x="10661263" y="2266690"/>
+            <a:ext cx="1130506" cy="276999"/>
+          </a:xfrm>
+          <a:prstGeom prst="rect">
+            <a:avLst/>
+          </a:prstGeom>
+          <a:noFill/>
+        </p:spPr>
+        <p:txBody>
+          <a:bodyPr wrap="square" rtlCol="0">
+            <a:spAutoFit/>
+          </a:bodyPr>
+          <a:lstStyle/>
+          <a:p>
+            <a:pPr algn="ctr"/>
+            <a:r>
+              <a:rPr lang="en-US" altLang="ko-KR" sz="1200" b="1" dirty="0" err="1"/>
+              <a:t>OpenCR</a:t>
+            </a:r>
+            <a:endParaRPr lang="ko-KR" altLang="en-US" sz="1200" b="1" dirty="0"/>
+          </a:p>
+        </p:txBody>
+      </p:sp>
+      <p:sp>
+        <p:nvSpPr>
+          <p:cNvPr id="25" name="TextBox 24">
+            <a:extLst>
+              <a:ext uri="{FF2B5EF4-FFF2-40B4-BE49-F238E27FC236}">
+                <a16:creationId xmlns:a16="http://schemas.microsoft.com/office/drawing/2014/main" id="{CB594503-7317-A26C-C1AF-4FBBE4667202}"/>
+              </a:ext>
+            </a:extLst>
+          </p:cNvPr>
+          <p:cNvSpPr txBox="1"/>
+          <p:nvPr/>
+        </p:nvSpPr>
+        <p:spPr>
+          <a:xfrm>
+            <a:off x="418819" y="190122"/>
+            <a:ext cx="3691627" cy="276999"/>
+          </a:xfrm>
+          <a:prstGeom prst="rect">
+            <a:avLst/>
+          </a:prstGeom>
+          <a:noFill/>
+        </p:spPr>
+        <p:txBody>
+          <a:bodyPr wrap="square" rtlCol="0">
+            <a:spAutoFit/>
+          </a:bodyPr>
+          <a:lstStyle/>
+          <a:p>
+            <a:r>
+              <a:rPr lang="en-US" altLang="ko-KR" sz="1200" b="1" dirty="0"/>
+              <a:t>Arduino (client)	</a:t>
+            </a:r>
+            <a:r>
+              <a:rPr lang="ko-KR" altLang="en-US" sz="1000" b="1" dirty="0"/>
+              <a:t>차량 존재 및 상태 확인</a:t>
+            </a:r>
+          </a:p>
+        </p:txBody>
+      </p:sp>
+      <p:pic>
+        <p:nvPicPr>
+          <p:cNvPr id="14" name="그림 13">
+            <a:extLst>
+              <a:ext uri="{FF2B5EF4-FFF2-40B4-BE49-F238E27FC236}">
+                <a16:creationId xmlns:a16="http://schemas.microsoft.com/office/drawing/2014/main" id="{A7FDCA0B-F32E-BF2D-1B28-7796D2143DA3}"/>
+              </a:ext>
+            </a:extLst>
+          </p:cNvPr>
+          <p:cNvPicPr>
+            <a:picLocks noChangeAspect="1"/>
+          </p:cNvPicPr>
+          <p:nvPr/>
+        </p:nvPicPr>
+        <p:blipFill rotWithShape="1">
+          <a:blip r:embed="rId19">
+            <a:extLst>
+              <a:ext uri="{28A0092B-C50C-407E-A947-70E740481C1C}">
+                <a14:useLocalDpi xmlns:a14="http://schemas.microsoft.com/office/drawing/2010/main" val="0"/>
+              </a:ext>
+            </a:extLst>
+          </a:blip>
+          <a:srcRect l="30504" t="11084" r="28847" b="10743"/>
+          <a:stretch/>
+        </p:blipFill>
+        <p:spPr>
+          <a:xfrm>
+            <a:off x="5287667" y="79229"/>
+            <a:ext cx="599083" cy="585937"/>
+          </a:xfrm>
+          <a:prstGeom prst="rect">
+            <a:avLst/>
+          </a:prstGeom>
+        </p:spPr>
+      </p:pic>
+      <p:sp>
+        <p:nvSpPr>
+          <p:cNvPr id="26" name="TextBox 25">
+            <a:extLst>
+              <a:ext uri="{FF2B5EF4-FFF2-40B4-BE49-F238E27FC236}">
+                <a16:creationId xmlns:a16="http://schemas.microsoft.com/office/drawing/2014/main" id="{D323A0A6-B638-FF5E-3780-3449C9567E7F}"/>
+              </a:ext>
+            </a:extLst>
+          </p:cNvPr>
+          <p:cNvSpPr txBox="1"/>
+          <p:nvPr/>
+        </p:nvSpPr>
+        <p:spPr>
+          <a:xfrm>
+            <a:off x="301645" y="1824832"/>
+            <a:ext cx="1105232" cy="246221"/>
+          </a:xfrm>
+          <a:prstGeom prst="rect">
+            <a:avLst/>
+          </a:prstGeom>
+          <a:noFill/>
+        </p:spPr>
+        <p:txBody>
+          <a:bodyPr wrap="square" rtlCol="0">
+            <a:spAutoFit/>
+          </a:bodyPr>
+          <a:lstStyle/>
+          <a:p>
+            <a:pPr algn="ctr"/>
+            <a:r>
+              <a:rPr lang="ko-KR" altLang="en-US" sz="1000" dirty="0"/>
+              <a:t>차량 유무 확인</a:t>
+            </a:r>
+          </a:p>
+        </p:txBody>
+      </p:sp>
+      <p:sp>
+        <p:nvSpPr>
+          <p:cNvPr id="34" name="TextBox 33">
+            <a:extLst>
+              <a:ext uri="{FF2B5EF4-FFF2-40B4-BE49-F238E27FC236}">
+                <a16:creationId xmlns:a16="http://schemas.microsoft.com/office/drawing/2014/main" id="{0D0563C7-65B9-DD03-0484-B763AB2C198A}"/>
+              </a:ext>
+            </a:extLst>
+          </p:cNvPr>
+          <p:cNvSpPr txBox="1"/>
+          <p:nvPr/>
+        </p:nvSpPr>
+        <p:spPr>
+          <a:xfrm>
+            <a:off x="2609508" y="1825635"/>
+            <a:ext cx="1105232" cy="400110"/>
+          </a:xfrm>
+          <a:prstGeom prst="rect">
+            <a:avLst/>
+          </a:prstGeom>
+          <a:noFill/>
+        </p:spPr>
+        <p:txBody>
+          <a:bodyPr wrap="square" rtlCol="0">
+            <a:spAutoFit/>
+          </a:bodyPr>
+          <a:lstStyle/>
+          <a:p>
+            <a:pPr algn="ctr"/>
+            <a:r>
+              <a:rPr lang="ko-KR" altLang="en-US" sz="1000" dirty="0"/>
+              <a:t>차량 유무와 배터리 상태 알림</a:t>
+            </a:r>
+          </a:p>
+        </p:txBody>
+      </p:sp>
+      <p:sp>
+        <p:nvSpPr>
+          <p:cNvPr id="35" name="TextBox 34">
+            <a:extLst>
+              <a:ext uri="{FF2B5EF4-FFF2-40B4-BE49-F238E27FC236}">
+                <a16:creationId xmlns:a16="http://schemas.microsoft.com/office/drawing/2014/main" id="{778B59BC-956F-95EE-B66B-078057E5826A}"/>
+              </a:ext>
+            </a:extLst>
+          </p:cNvPr>
+          <p:cNvSpPr txBox="1"/>
+          <p:nvPr/>
+        </p:nvSpPr>
+        <p:spPr>
+          <a:xfrm>
+            <a:off x="1513273" y="1800283"/>
+            <a:ext cx="1105232" cy="400110"/>
+          </a:xfrm>
+          <a:prstGeom prst="rect">
+            <a:avLst/>
+          </a:prstGeom>
+          <a:noFill/>
+        </p:spPr>
+        <p:txBody>
+          <a:bodyPr wrap="square" rtlCol="0">
+            <a:spAutoFit/>
+          </a:bodyPr>
+          <a:lstStyle/>
+          <a:p>
+            <a:pPr algn="ctr"/>
+            <a:r>
+              <a:rPr lang="ko-KR" altLang="en-US" sz="1000" dirty="0"/>
+              <a:t>차량의 배터리 잔량 나타냄</a:t>
+            </a:r>
+          </a:p>
+        </p:txBody>
+      </p:sp>
+      <p:sp>
+        <p:nvSpPr>
+          <p:cNvPr id="36" name="TextBox 35">
+            <a:extLst>
+              <a:ext uri="{FF2B5EF4-FFF2-40B4-BE49-F238E27FC236}">
+                <a16:creationId xmlns:a16="http://schemas.microsoft.com/office/drawing/2014/main" id="{3A2F8B16-9FC4-00FD-E9E8-941CB23C5467}"/>
+              </a:ext>
+            </a:extLst>
+          </p:cNvPr>
+          <p:cNvSpPr txBox="1"/>
+          <p:nvPr/>
+        </p:nvSpPr>
+        <p:spPr>
+          <a:xfrm>
+            <a:off x="1174984" y="2864609"/>
+            <a:ext cx="1796864" cy="246221"/>
+          </a:xfrm>
+          <a:prstGeom prst="rect">
+            <a:avLst/>
+          </a:prstGeom>
+          <a:noFill/>
+        </p:spPr>
+        <p:txBody>
+          <a:bodyPr wrap="square" rtlCol="0">
+            <a:spAutoFit/>
+          </a:bodyPr>
+          <a:lstStyle/>
+          <a:p>
+            <a:pPr algn="ctr"/>
+            <a:r>
+              <a:rPr lang="en-US" altLang="ko-KR" sz="1000" dirty="0"/>
+              <a:t>Raspberry </a:t>
+            </a:r>
+            <a:r>
+              <a:rPr lang="ko-KR" altLang="en-US" sz="1000" dirty="0"/>
+              <a:t>와 </a:t>
+            </a:r>
+            <a:r>
+              <a:rPr lang="en-US" altLang="ko-KR" sz="1000" dirty="0"/>
+              <a:t>socket</a:t>
+            </a:r>
+            <a:r>
+              <a:rPr lang="ko-KR" altLang="en-US" sz="1000" dirty="0"/>
+              <a:t>통신</a:t>
+            </a:r>
+          </a:p>
+        </p:txBody>
+      </p:sp>
+      <p:sp>
+        <p:nvSpPr>
+          <p:cNvPr id="16" name="사각형: 둥근 모서리 15">
+            <a:extLst>
+              <a:ext uri="{FF2B5EF4-FFF2-40B4-BE49-F238E27FC236}">
+                <a16:creationId xmlns:a16="http://schemas.microsoft.com/office/drawing/2014/main" id="{E1CBD4EF-5F32-A169-5EC9-6DE82DFE6621}"/>
+              </a:ext>
+            </a:extLst>
+          </p:cNvPr>
+          <p:cNvSpPr/>
+          <p:nvPr/>
+        </p:nvSpPr>
+        <p:spPr>
+          <a:xfrm>
+            <a:off x="174171" y="461553"/>
+            <a:ext cx="3576280" cy="2870717"/>
+          </a:xfrm>
+          <a:prstGeom prst="roundRect">
+            <a:avLst/>
+          </a:prstGeom>
+          <a:noFill/>
+          <a:ln w="19050">
+            <a:prstDash val="sysDash"/>
+          </a:ln>
+        </p:spPr>
+        <p:style>
+          <a:lnRef idx="2">
+            <a:schemeClr val="accent1">
+              <a:shade val="50000"/>
+            </a:schemeClr>
+          </a:lnRef>
+          <a:fillRef idx="1">
+            <a:schemeClr val="accent1"/>
+          </a:fillRef>
+          <a:effectRef idx="0">
+            <a:schemeClr val="accent1"/>
+          </a:effectRef>
+          <a:fontRef idx="minor">
+            <a:schemeClr val="lt1"/>
+          </a:fontRef>
+        </p:style>
+        <p:txBody>
+          <a:bodyPr rtlCol="0" anchor="ctr"/>
+          <a:lstStyle/>
+          <a:p>
+            <a:pPr algn="ctr"/>
+            <a:endParaRPr lang="ko-KR" altLang="en-US"/>
+          </a:p>
+        </p:txBody>
+      </p:sp>
+      <p:sp>
+        <p:nvSpPr>
+          <p:cNvPr id="38" name="TextBox 37">
+            <a:extLst>
+              <a:ext uri="{FF2B5EF4-FFF2-40B4-BE49-F238E27FC236}">
+                <a16:creationId xmlns:a16="http://schemas.microsoft.com/office/drawing/2014/main" id="{26F45E96-D47D-6249-C924-B90DA35395F7}"/>
+              </a:ext>
+            </a:extLst>
+          </p:cNvPr>
+          <p:cNvSpPr txBox="1"/>
+          <p:nvPr/>
+        </p:nvSpPr>
+        <p:spPr>
+          <a:xfrm>
+            <a:off x="613211" y="5813902"/>
+            <a:ext cx="2211977" cy="400110"/>
+          </a:xfrm>
+          <a:prstGeom prst="rect">
+            <a:avLst/>
+          </a:prstGeom>
+          <a:noFill/>
+        </p:spPr>
+        <p:txBody>
+          <a:bodyPr wrap="square" rtlCol="0">
+            <a:spAutoFit/>
+          </a:bodyPr>
+          <a:lstStyle/>
+          <a:p>
+            <a:r>
+              <a:rPr lang="ko-KR" altLang="en-US" sz="1000" dirty="0"/>
+              <a:t>전체 충전기를 담당하는 서버 역할</a:t>
+            </a:r>
+            <a:endParaRPr lang="en-US" altLang="ko-KR" sz="1000" dirty="0"/>
+          </a:p>
+          <a:p>
+            <a:r>
+              <a:rPr lang="ko-KR" altLang="en-US" sz="1000" dirty="0"/>
+              <a:t>각 충전기의 </a:t>
+            </a:r>
+            <a:r>
+              <a:rPr lang="en-US" altLang="ko-KR" sz="1000" dirty="0"/>
+              <a:t>log </a:t>
+            </a:r>
+            <a:r>
+              <a:rPr lang="ko-KR" altLang="en-US" sz="1000" dirty="0"/>
+              <a:t>파일 저장</a:t>
+            </a:r>
+          </a:p>
+        </p:txBody>
+      </p:sp>
+      <p:sp>
+        <p:nvSpPr>
+          <p:cNvPr id="39" name="TextBox 38">
+            <a:extLst>
+              <a:ext uri="{FF2B5EF4-FFF2-40B4-BE49-F238E27FC236}">
+                <a16:creationId xmlns:a16="http://schemas.microsoft.com/office/drawing/2014/main" id="{18BDF815-3D0F-A2B2-6D7B-77F73CA47CE5}"/>
+              </a:ext>
+            </a:extLst>
+          </p:cNvPr>
+          <p:cNvSpPr txBox="1"/>
+          <p:nvPr/>
+        </p:nvSpPr>
+        <p:spPr>
+          <a:xfrm>
+            <a:off x="418820" y="4568104"/>
+            <a:ext cx="1362361" cy="276999"/>
+          </a:xfrm>
+          <a:prstGeom prst="rect">
+            <a:avLst/>
+          </a:prstGeom>
+          <a:noFill/>
+        </p:spPr>
+        <p:txBody>
+          <a:bodyPr wrap="square" rtlCol="0">
+            <a:spAutoFit/>
+          </a:bodyPr>
+          <a:lstStyle/>
+          <a:p>
+            <a:pPr algn="ctr"/>
+            <a:r>
+              <a:rPr lang="en-US" altLang="ko-KR" sz="1200" b="1" dirty="0"/>
+              <a:t>Raspberry Pi 4</a:t>
+            </a:r>
+            <a:endParaRPr lang="ko-KR" altLang="en-US" sz="1200" b="1" dirty="0"/>
+          </a:p>
+        </p:txBody>
+      </p:sp>
+      <p:pic>
+        <p:nvPicPr>
+          <p:cNvPr id="40" name="그림 39">
+            <a:extLst>
+              <a:ext uri="{FF2B5EF4-FFF2-40B4-BE49-F238E27FC236}">
+                <a16:creationId xmlns:a16="http://schemas.microsoft.com/office/drawing/2014/main" id="{E0BA7F6B-DFB3-037D-F779-BAA7172C3E7F}"/>
+              </a:ext>
+            </a:extLst>
+          </p:cNvPr>
+          <p:cNvPicPr>
+            <a:picLocks noChangeAspect="1"/>
+          </p:cNvPicPr>
+          <p:nvPr/>
+        </p:nvPicPr>
+        <p:blipFill>
+          <a:blip r:embed="rId20">
+            <a:extLst>
+              <a:ext uri="{28A0092B-C50C-407E-A947-70E740481C1C}">
+                <a14:useLocalDpi xmlns:a14="http://schemas.microsoft.com/office/drawing/2010/main" val="0"/>
+              </a:ext>
+            </a:extLst>
+          </a:blip>
+          <a:stretch>
+            <a:fillRect/>
+          </a:stretch>
+        </p:blipFill>
+        <p:spPr>
+          <a:xfrm>
+            <a:off x="1719200" y="4510229"/>
+            <a:ext cx="243111" cy="310406"/>
+          </a:xfrm>
+          <a:prstGeom prst="rect">
+            <a:avLst/>
+          </a:prstGeom>
+        </p:spPr>
+      </p:pic>
+      <p:sp>
+        <p:nvSpPr>
+          <p:cNvPr id="42" name="사각형: 둥근 모서리 41">
+            <a:extLst>
+              <a:ext uri="{FF2B5EF4-FFF2-40B4-BE49-F238E27FC236}">
+                <a16:creationId xmlns:a16="http://schemas.microsoft.com/office/drawing/2014/main" id="{EBF1E698-06C0-5C67-A146-2681D0607E33}"/>
+              </a:ext>
+            </a:extLst>
+          </p:cNvPr>
+          <p:cNvSpPr/>
+          <p:nvPr/>
+        </p:nvSpPr>
+        <p:spPr>
+          <a:xfrm>
+            <a:off x="301645" y="4895335"/>
+            <a:ext cx="3448806" cy="1536815"/>
+          </a:xfrm>
+          <a:prstGeom prst="roundRect">
+            <a:avLst/>
+          </a:prstGeom>
+          <a:noFill/>
+          <a:ln w="19050">
+            <a:prstDash val="sysDash"/>
+          </a:ln>
+        </p:spPr>
+        <p:style>
+          <a:lnRef idx="2">
+            <a:schemeClr val="accent1">
+              <a:shade val="50000"/>
+            </a:schemeClr>
+          </a:lnRef>
+          <a:fillRef idx="1">
+            <a:schemeClr val="accent1"/>
+          </a:fillRef>
+          <a:effectRef idx="0">
+            <a:schemeClr val="accent1"/>
+          </a:effectRef>
+          <a:fontRef idx="minor">
+            <a:schemeClr val="lt1"/>
+          </a:fontRef>
+        </p:style>
+        <p:txBody>
+          <a:bodyPr rtlCol="0" anchor="ctr"/>
+          <a:lstStyle/>
+          <a:p>
+            <a:pPr algn="ctr"/>
+            <a:endParaRPr lang="ko-KR" altLang="en-US"/>
+          </a:p>
+        </p:txBody>
+      </p:sp>
+      <p:sp>
+        <p:nvSpPr>
+          <p:cNvPr id="43" name="TextBox 42">
+            <a:extLst>
+              <a:ext uri="{FF2B5EF4-FFF2-40B4-BE49-F238E27FC236}">
+                <a16:creationId xmlns:a16="http://schemas.microsoft.com/office/drawing/2014/main" id="{E70286B5-619B-8A74-1D01-5C16FB3CE8BF}"/>
+              </a:ext>
+            </a:extLst>
+          </p:cNvPr>
+          <p:cNvSpPr txBox="1"/>
+          <p:nvPr/>
+        </p:nvSpPr>
+        <p:spPr>
+          <a:xfrm>
+            <a:off x="9232184" y="2606053"/>
+            <a:ext cx="1265915" cy="246221"/>
+          </a:xfrm>
+          <a:prstGeom prst="rect">
+            <a:avLst/>
+          </a:prstGeom>
+          <a:noFill/>
+        </p:spPr>
+        <p:txBody>
+          <a:bodyPr wrap="square" rtlCol="0">
+            <a:spAutoFit/>
+          </a:bodyPr>
+          <a:lstStyle/>
+          <a:p>
+            <a:pPr algn="ctr"/>
+            <a:r>
+              <a:rPr lang="en-US" altLang="ko-KR" sz="1000" dirty="0"/>
+              <a:t>Manipulator </a:t>
+            </a:r>
+            <a:r>
+              <a:rPr lang="ko-KR" altLang="en-US" sz="1000" dirty="0"/>
+              <a:t>구동</a:t>
+            </a:r>
+          </a:p>
+        </p:txBody>
+      </p:sp>
+      <p:pic>
+        <p:nvPicPr>
+          <p:cNvPr id="44" name="그림 43">
+            <a:extLst>
+              <a:ext uri="{FF2B5EF4-FFF2-40B4-BE49-F238E27FC236}">
+                <a16:creationId xmlns:a16="http://schemas.microsoft.com/office/drawing/2014/main" id="{4F7EE8D5-98FE-837B-A81C-58984EF0A0BB}"/>
+              </a:ext>
+            </a:extLst>
+          </p:cNvPr>
+          <p:cNvPicPr>
+            <a:picLocks noChangeAspect="1"/>
+          </p:cNvPicPr>
+          <p:nvPr/>
+        </p:nvPicPr>
+        <p:blipFill>
+          <a:blip r:embed="rId21">
+            <a:extLst>
+              <a:ext uri="{28A0092B-C50C-407E-A947-70E740481C1C}">
+                <a14:useLocalDpi xmlns:a14="http://schemas.microsoft.com/office/drawing/2010/main" val="0"/>
+              </a:ext>
+            </a:extLst>
+          </a:blip>
+          <a:stretch>
+            <a:fillRect/>
+          </a:stretch>
+        </p:blipFill>
+        <p:spPr>
+          <a:xfrm>
+            <a:off x="6194538" y="502640"/>
+            <a:ext cx="748404" cy="334607"/>
+          </a:xfrm>
+          <a:prstGeom prst="rect">
+            <a:avLst/>
+          </a:prstGeom>
+        </p:spPr>
+      </p:pic>
+      <p:sp>
+        <p:nvSpPr>
+          <p:cNvPr id="46" name="사각형: 둥근 모서리 45">
+            <a:extLst>
+              <a:ext uri="{FF2B5EF4-FFF2-40B4-BE49-F238E27FC236}">
+                <a16:creationId xmlns:a16="http://schemas.microsoft.com/office/drawing/2014/main" id="{36FA087E-021F-8A18-37D2-8E6BB7E606A0}"/>
+              </a:ext>
+            </a:extLst>
+          </p:cNvPr>
+          <p:cNvSpPr/>
+          <p:nvPr/>
+        </p:nvSpPr>
+        <p:spPr>
+          <a:xfrm>
+            <a:off x="6093065" y="837247"/>
+            <a:ext cx="5797290" cy="3152048"/>
+          </a:xfrm>
+          <a:prstGeom prst="roundRect">
+            <a:avLst/>
+          </a:prstGeom>
+          <a:noFill/>
+          <a:ln w="19050">
+            <a:prstDash val="sysDash"/>
+          </a:ln>
+        </p:spPr>
+        <p:style>
+          <a:lnRef idx="2">
+            <a:schemeClr val="accent1">
+              <a:shade val="50000"/>
+            </a:schemeClr>
+          </a:lnRef>
+          <a:fillRef idx="1">
+            <a:schemeClr val="accent1"/>
+          </a:fillRef>
+          <a:effectRef idx="0">
+            <a:schemeClr val="accent1"/>
+          </a:effectRef>
+          <a:fontRef idx="minor">
+            <a:schemeClr val="lt1"/>
+          </a:fontRef>
+        </p:style>
+        <p:txBody>
+          <a:bodyPr rtlCol="0" anchor="ctr"/>
+          <a:lstStyle/>
+          <a:p>
+            <a:pPr algn="ctr"/>
+            <a:endParaRPr lang="ko-KR" altLang="en-US"/>
+          </a:p>
+        </p:txBody>
+      </p:sp>
+      <p:sp>
+        <p:nvSpPr>
+          <p:cNvPr id="47" name="TextBox 46">
+            <a:extLst>
+              <a:ext uri="{FF2B5EF4-FFF2-40B4-BE49-F238E27FC236}">
+                <a16:creationId xmlns:a16="http://schemas.microsoft.com/office/drawing/2014/main" id="{5913413D-197F-7357-FDDC-006045C06E94}"/>
+              </a:ext>
+            </a:extLst>
+          </p:cNvPr>
+          <p:cNvSpPr txBox="1"/>
+          <p:nvPr/>
+        </p:nvSpPr>
+        <p:spPr>
+          <a:xfrm>
+            <a:off x="10652621" y="2555311"/>
+            <a:ext cx="1265915" cy="246221"/>
+          </a:xfrm>
+          <a:prstGeom prst="rect">
+            <a:avLst/>
+          </a:prstGeom>
+          <a:noFill/>
+        </p:spPr>
+        <p:txBody>
+          <a:bodyPr wrap="square" rtlCol="0">
+            <a:spAutoFit/>
+          </a:bodyPr>
+          <a:lstStyle/>
+          <a:p>
+            <a:pPr algn="ctr"/>
+            <a:r>
+              <a:rPr lang="en-US" altLang="ko-KR" sz="1000" dirty="0" err="1"/>
+              <a:t>Dynamixel</a:t>
+            </a:r>
+            <a:r>
+              <a:rPr lang="en-US" altLang="ko-KR" sz="1000" dirty="0"/>
+              <a:t> </a:t>
+            </a:r>
+            <a:r>
+              <a:rPr lang="ko-KR" altLang="en-US" sz="1000" dirty="0"/>
+              <a:t>제어</a:t>
+            </a:r>
+          </a:p>
+        </p:txBody>
+      </p:sp>
+      <p:sp>
+        <p:nvSpPr>
+          <p:cNvPr id="48" name="사각형: 둥근 모서리 47">
+            <a:extLst>
+              <a:ext uri="{FF2B5EF4-FFF2-40B4-BE49-F238E27FC236}">
+                <a16:creationId xmlns:a16="http://schemas.microsoft.com/office/drawing/2014/main" id="{C6A779D6-F55B-1ED9-AC6B-3AA1BFD28C8E}"/>
+              </a:ext>
+            </a:extLst>
+          </p:cNvPr>
+          <p:cNvSpPr/>
+          <p:nvPr/>
+        </p:nvSpPr>
+        <p:spPr>
+          <a:xfrm>
+            <a:off x="9517047" y="5343486"/>
+            <a:ext cx="2114794" cy="1112043"/>
+          </a:xfrm>
+          <a:prstGeom prst="roundRect">
+            <a:avLst/>
+          </a:prstGeom>
+          <a:noFill/>
+          <a:ln w="19050">
+            <a:prstDash val="sysDash"/>
+          </a:ln>
+        </p:spPr>
+        <p:style>
+          <a:lnRef idx="2">
+            <a:schemeClr val="accent1">
+              <a:shade val="50000"/>
+            </a:schemeClr>
+          </a:lnRef>
+          <a:fillRef idx="1">
+            <a:schemeClr val="accent1"/>
+          </a:fillRef>
+          <a:effectRef idx="0">
+            <a:schemeClr val="accent1"/>
+          </a:effectRef>
+          <a:fontRef idx="minor">
+            <a:schemeClr val="lt1"/>
+          </a:fontRef>
+        </p:style>
+        <p:txBody>
+          <a:bodyPr rtlCol="0" anchor="ctr"/>
+          <a:lstStyle/>
+          <a:p>
+            <a:pPr algn="ctr"/>
+            <a:endParaRPr lang="ko-KR" altLang="en-US"/>
+          </a:p>
+        </p:txBody>
+      </p:sp>
+      <p:sp>
+        <p:nvSpPr>
+          <p:cNvPr id="49" name="사각형: 둥근 모서리 48">
+            <a:extLst>
+              <a:ext uri="{FF2B5EF4-FFF2-40B4-BE49-F238E27FC236}">
+                <a16:creationId xmlns:a16="http://schemas.microsoft.com/office/drawing/2014/main" id="{E7960C19-DC33-1377-A762-70D95D04B0D4}"/>
+              </a:ext>
+            </a:extLst>
+          </p:cNvPr>
+          <p:cNvSpPr/>
+          <p:nvPr/>
+        </p:nvSpPr>
+        <p:spPr>
+          <a:xfrm>
+            <a:off x="5878285" y="387656"/>
+            <a:ext cx="6139543" cy="3836514"/>
+          </a:xfrm>
+          <a:prstGeom prst="roundRect">
+            <a:avLst/>
+          </a:prstGeom>
+          <a:noFill/>
+          <a:ln w="19050">
+            <a:solidFill>
+              <a:srgbClr val="FF0000"/>
+            </a:solidFill>
+            <a:prstDash val="sysDash"/>
+          </a:ln>
+        </p:spPr>
+        <p:style>
+          <a:lnRef idx="2">
+            <a:schemeClr val="accent1">
+              <a:shade val="50000"/>
+            </a:schemeClr>
+          </a:lnRef>
+          <a:fillRef idx="1">
+            <a:schemeClr val="accent1"/>
+          </a:fillRef>
+          <a:effectRef idx="0">
+            <a:schemeClr val="accent1"/>
+          </a:effectRef>
+          <a:fontRef idx="minor">
+            <a:schemeClr val="lt1"/>
+          </a:fontRef>
+        </p:style>
+        <p:txBody>
+          <a:bodyPr rtlCol="0" anchor="ctr"/>
+          <a:lstStyle/>
+          <a:p>
+            <a:pPr algn="ctr"/>
+            <a:r>
+              <a:rPr lang="en-US" altLang="ko-KR" dirty="0"/>
+              <a:t>`</a:t>
+            </a:r>
+            <a:endParaRPr lang="ko-KR" altLang="en-US" dirty="0"/>
+          </a:p>
+        </p:txBody>
+      </p:sp>
+      <p:sp>
+        <p:nvSpPr>
+          <p:cNvPr id="50" name="사각형: 둥근 모서리 49">
+            <a:extLst>
+              <a:ext uri="{FF2B5EF4-FFF2-40B4-BE49-F238E27FC236}">
+                <a16:creationId xmlns:a16="http://schemas.microsoft.com/office/drawing/2014/main" id="{38079459-CD98-5696-481E-9E57C9B47691}"/>
+              </a:ext>
+            </a:extLst>
+          </p:cNvPr>
+          <p:cNvSpPr/>
+          <p:nvPr/>
+        </p:nvSpPr>
+        <p:spPr>
+          <a:xfrm>
+            <a:off x="6254189" y="1443006"/>
+            <a:ext cx="1724296" cy="1966119"/>
+          </a:xfrm>
+          <a:prstGeom prst="roundRect">
+            <a:avLst/>
+          </a:prstGeom>
+          <a:noFill/>
+          <a:ln w="19050">
+            <a:solidFill>
+              <a:schemeClr val="tx1"/>
+            </a:solidFill>
+            <a:prstDash val="sysDash"/>
+          </a:ln>
+        </p:spPr>
+        <p:style>
+          <a:lnRef idx="2">
+            <a:schemeClr val="accent1">
+              <a:shade val="50000"/>
+            </a:schemeClr>
+          </a:lnRef>
+          <a:fillRef idx="1">
+            <a:schemeClr val="accent1"/>
+          </a:fillRef>
+          <a:effectRef idx="0">
+            <a:schemeClr val="accent1"/>
+          </a:effectRef>
+          <a:fontRef idx="minor">
+            <a:schemeClr val="lt1"/>
+          </a:fontRef>
+        </p:style>
+        <p:txBody>
+          <a:bodyPr rtlCol="0" anchor="ctr"/>
+          <a:lstStyle/>
+          <a:p>
+            <a:pPr algn="ctr"/>
+            <a:endParaRPr lang="ko-KR" altLang="en-US"/>
+          </a:p>
+        </p:txBody>
+      </p:sp>
+      <p:sp>
+        <p:nvSpPr>
+          <p:cNvPr id="52" name="TextBox 51">
+            <a:extLst>
+              <a:ext uri="{FF2B5EF4-FFF2-40B4-BE49-F238E27FC236}">
+                <a16:creationId xmlns:a16="http://schemas.microsoft.com/office/drawing/2014/main" id="{B1D6330D-A30C-4EF0-1727-5C0C848742CD}"/>
+              </a:ext>
+            </a:extLst>
+          </p:cNvPr>
+          <p:cNvSpPr txBox="1"/>
+          <p:nvPr/>
+        </p:nvSpPr>
+        <p:spPr>
+          <a:xfrm>
+            <a:off x="6974041" y="521222"/>
+            <a:ext cx="3449960" cy="246221"/>
+          </a:xfrm>
+          <a:prstGeom prst="rect">
+            <a:avLst/>
+          </a:prstGeom>
+          <a:noFill/>
+        </p:spPr>
+        <p:txBody>
+          <a:bodyPr wrap="square" rtlCol="0">
+            <a:spAutoFit/>
+          </a:bodyPr>
+          <a:lstStyle/>
+          <a:p>
+            <a:pPr algn="ctr"/>
+            <a:r>
+              <a:rPr lang="en-US" altLang="ko-KR" sz="1000" b="1" dirty="0"/>
+              <a:t>ROS</a:t>
+            </a:r>
+            <a:r>
+              <a:rPr lang="ko-KR" altLang="en-US" sz="1000" b="1" dirty="0"/>
+              <a:t>를 이용한 </a:t>
+            </a:r>
+            <a:r>
+              <a:rPr lang="en-US" altLang="ko-KR" sz="1000" b="1" dirty="0"/>
+              <a:t>Camera, </a:t>
+            </a:r>
+            <a:r>
+              <a:rPr lang="en-US" altLang="ko-KR" sz="1000" b="1" dirty="0" err="1"/>
+              <a:t>Dynamixel</a:t>
+            </a:r>
+            <a:r>
+              <a:rPr lang="en-US" altLang="ko-KR" sz="1000" b="1" dirty="0"/>
+              <a:t> </a:t>
+            </a:r>
+            <a:r>
+              <a:rPr lang="ko-KR" altLang="en-US" sz="1000" b="1" dirty="0"/>
+              <a:t>제어</a:t>
+            </a:r>
+          </a:p>
+        </p:txBody>
+      </p:sp>
+      <p:sp>
+        <p:nvSpPr>
+          <p:cNvPr id="53" name="TextBox 52">
+            <a:extLst>
+              <a:ext uri="{FF2B5EF4-FFF2-40B4-BE49-F238E27FC236}">
+                <a16:creationId xmlns:a16="http://schemas.microsoft.com/office/drawing/2014/main" id="{50DD0B26-E92A-4FB8-B1DA-EE8B1873581C}"/>
+              </a:ext>
+            </a:extLst>
+          </p:cNvPr>
+          <p:cNvSpPr txBox="1"/>
+          <p:nvPr/>
+        </p:nvSpPr>
+        <p:spPr>
+          <a:xfrm>
+            <a:off x="5750438" y="76381"/>
+            <a:ext cx="2673531" cy="246221"/>
+          </a:xfrm>
+          <a:prstGeom prst="rect">
+            <a:avLst/>
+          </a:prstGeom>
+          <a:noFill/>
+        </p:spPr>
+        <p:txBody>
+          <a:bodyPr wrap="square" rtlCol="0">
+            <a:spAutoFit/>
+          </a:bodyPr>
+          <a:lstStyle/>
+          <a:p>
+            <a:pPr algn="ctr"/>
+            <a:r>
+              <a:rPr lang="ko-KR" altLang="en-US" sz="1000" b="1" dirty="0" err="1"/>
+              <a:t>충전구</a:t>
+            </a:r>
+            <a:r>
+              <a:rPr lang="ko-KR" altLang="en-US" sz="1000" b="1" dirty="0"/>
+              <a:t> 자동 탐색 후 자동 충전</a:t>
+            </a:r>
+            <a:r>
+              <a:rPr lang="en-US" altLang="ko-KR" sz="1000" b="1" dirty="0"/>
+              <a:t> (client)</a:t>
+            </a:r>
+            <a:endParaRPr lang="ko-KR" altLang="en-US" sz="1000" b="1" dirty="0"/>
+          </a:p>
+        </p:txBody>
+      </p:sp>
+      <p:sp>
+        <p:nvSpPr>
+          <p:cNvPr id="54" name="사각형: 둥근 모서리 53">
+            <a:extLst>
+              <a:ext uri="{FF2B5EF4-FFF2-40B4-BE49-F238E27FC236}">
+                <a16:creationId xmlns:a16="http://schemas.microsoft.com/office/drawing/2014/main" id="{C28E7FB7-5631-65FE-AF07-F897D191C478}"/>
+              </a:ext>
+            </a:extLst>
+          </p:cNvPr>
+          <p:cNvSpPr/>
+          <p:nvPr/>
+        </p:nvSpPr>
+        <p:spPr>
+          <a:xfrm>
+            <a:off x="9178974" y="1443006"/>
+            <a:ext cx="2612795" cy="1616371"/>
+          </a:xfrm>
+          <a:prstGeom prst="roundRect">
+            <a:avLst/>
+          </a:prstGeom>
+          <a:noFill/>
+          <a:ln w="19050">
+            <a:solidFill>
+              <a:schemeClr val="tx1"/>
+            </a:solidFill>
+            <a:prstDash val="sysDash"/>
+          </a:ln>
+        </p:spPr>
+        <p:style>
+          <a:lnRef idx="2">
+            <a:schemeClr val="accent1">
+              <a:shade val="50000"/>
+            </a:schemeClr>
+          </a:lnRef>
+          <a:fillRef idx="1">
+            <a:schemeClr val="accent1"/>
+          </a:fillRef>
+          <a:effectRef idx="0">
+            <a:schemeClr val="accent1"/>
+          </a:effectRef>
+          <a:fontRef idx="minor">
+            <a:schemeClr val="lt1"/>
+          </a:fontRef>
+        </p:style>
+        <p:txBody>
+          <a:bodyPr rtlCol="0" anchor="ctr"/>
+          <a:lstStyle/>
+          <a:p>
+            <a:pPr algn="ctr"/>
+            <a:endParaRPr lang="ko-KR" altLang="en-US"/>
+          </a:p>
+        </p:txBody>
+      </p:sp>
+      <p:sp>
+        <p:nvSpPr>
+          <p:cNvPr id="55" name="TextBox 54">
+            <a:extLst>
+              <a:ext uri="{FF2B5EF4-FFF2-40B4-BE49-F238E27FC236}">
+                <a16:creationId xmlns:a16="http://schemas.microsoft.com/office/drawing/2014/main" id="{230D5D4D-38A3-5DEC-8E27-4B8C74EA8CA8}"/>
+              </a:ext>
+            </a:extLst>
+          </p:cNvPr>
+          <p:cNvSpPr txBox="1"/>
+          <p:nvPr/>
+        </p:nvSpPr>
+        <p:spPr>
+          <a:xfrm>
+            <a:off x="9541841" y="6054926"/>
+            <a:ext cx="2114794" cy="246221"/>
+          </a:xfrm>
+          <a:prstGeom prst="rect">
+            <a:avLst/>
+          </a:prstGeom>
+          <a:noFill/>
+        </p:spPr>
+        <p:txBody>
+          <a:bodyPr wrap="square" rtlCol="0">
+            <a:spAutoFit/>
+          </a:bodyPr>
+          <a:lstStyle/>
+          <a:p>
+            <a:r>
+              <a:rPr lang="ko-KR" altLang="en-US" sz="1000" dirty="0"/>
+              <a:t>충전소 전체 데이터 조회 및 제어</a:t>
+            </a:r>
+          </a:p>
+        </p:txBody>
+      </p:sp>
+      <p:cxnSp>
+        <p:nvCxnSpPr>
+          <p:cNvPr id="62" name="직선 화살표 연결선 61">
+            <a:extLst>
+              <a:ext uri="{FF2B5EF4-FFF2-40B4-BE49-F238E27FC236}">
+                <a16:creationId xmlns:a16="http://schemas.microsoft.com/office/drawing/2014/main" id="{AA67E004-8B21-8DD7-4E61-85AB57347FE8}"/>
+              </a:ext>
+            </a:extLst>
+          </p:cNvPr>
+          <p:cNvCxnSpPr/>
+          <p:nvPr/>
+        </p:nvCxnSpPr>
+        <p:spPr>
+          <a:xfrm>
+            <a:off x="3187338" y="3429000"/>
+            <a:ext cx="0" cy="1364854"/>
+          </a:xfrm>
+          <a:prstGeom prst="straightConnector1">
+            <a:avLst/>
+          </a:prstGeom>
+          <a:ln w="19050">
+            <a:tailEnd type="triangle"/>
+          </a:ln>
+        </p:spPr>
+        <p:style>
+          <a:lnRef idx="1">
+            <a:schemeClr val="accent1"/>
+          </a:lnRef>
+          <a:fillRef idx="0">
+            <a:schemeClr val="accent1"/>
+          </a:fillRef>
+          <a:effectRef idx="0">
+            <a:schemeClr val="accent1"/>
+          </a:effectRef>
+          <a:fontRef idx="minor">
+            <a:schemeClr val="tx1"/>
+          </a:fontRef>
+        </p:style>
+      </p:cxnSp>
+      <p:cxnSp>
+        <p:nvCxnSpPr>
+          <p:cNvPr id="64" name="직선 화살표 연결선 63">
+            <a:extLst>
+              <a:ext uri="{FF2B5EF4-FFF2-40B4-BE49-F238E27FC236}">
+                <a16:creationId xmlns:a16="http://schemas.microsoft.com/office/drawing/2014/main" id="{D9B85A10-DDA7-27A3-EDA9-CF4DB6A76503}"/>
+              </a:ext>
+            </a:extLst>
+          </p:cNvPr>
+          <p:cNvCxnSpPr>
+            <a:cxnSpLocks/>
+          </p:cNvCxnSpPr>
+          <p:nvPr/>
+        </p:nvCxnSpPr>
+        <p:spPr>
+          <a:xfrm flipV="1">
+            <a:off x="2463579" y="3429000"/>
+            <a:ext cx="0" cy="1352249"/>
+          </a:xfrm>
+          <a:prstGeom prst="straightConnector1">
+            <a:avLst/>
+          </a:prstGeom>
+          <a:ln w="19050">
+            <a:tailEnd type="triangle"/>
+          </a:ln>
+        </p:spPr>
+        <p:style>
+          <a:lnRef idx="1">
+            <a:schemeClr val="accent1"/>
+          </a:lnRef>
+          <a:fillRef idx="0">
+            <a:schemeClr val="accent1"/>
+          </a:fillRef>
+          <a:effectRef idx="0">
+            <a:schemeClr val="accent1"/>
+          </a:effectRef>
+          <a:fontRef idx="minor">
+            <a:schemeClr val="tx1"/>
+          </a:fontRef>
+        </p:style>
+      </p:cxnSp>
+      <p:sp>
+        <p:nvSpPr>
+          <p:cNvPr id="68" name="TextBox 67">
+            <a:extLst>
+              <a:ext uri="{FF2B5EF4-FFF2-40B4-BE49-F238E27FC236}">
+                <a16:creationId xmlns:a16="http://schemas.microsoft.com/office/drawing/2014/main" id="{51E5A784-C30B-9465-D551-ED13CEBF3117}"/>
+              </a:ext>
+            </a:extLst>
+          </p:cNvPr>
+          <p:cNvSpPr txBox="1"/>
+          <p:nvPr/>
+        </p:nvSpPr>
+        <p:spPr>
+          <a:xfrm>
+            <a:off x="3119175" y="3589827"/>
+            <a:ext cx="878059" cy="400110"/>
+          </a:xfrm>
+          <a:prstGeom prst="rect">
+            <a:avLst/>
+          </a:prstGeom>
+          <a:noFill/>
+        </p:spPr>
+        <p:txBody>
+          <a:bodyPr wrap="square" rtlCol="0">
+            <a:spAutoFit/>
+          </a:bodyPr>
+          <a:lstStyle/>
+          <a:p>
+            <a:r>
+              <a:rPr lang="ko-KR" altLang="en-US" sz="1000" dirty="0"/>
+              <a:t>차량 유무</a:t>
+            </a:r>
+            <a:endParaRPr lang="en-US" altLang="ko-KR" sz="1000" dirty="0"/>
+          </a:p>
+          <a:p>
+            <a:r>
+              <a:rPr lang="ko-KR" altLang="en-US" sz="1000" dirty="0"/>
+              <a:t>배터리 잔량</a:t>
+            </a:r>
+          </a:p>
+        </p:txBody>
+      </p:sp>
+      <p:sp>
+        <p:nvSpPr>
+          <p:cNvPr id="69" name="TextBox 68">
+            <a:extLst>
+              <a:ext uri="{FF2B5EF4-FFF2-40B4-BE49-F238E27FC236}">
+                <a16:creationId xmlns:a16="http://schemas.microsoft.com/office/drawing/2014/main" id="{AC830E91-4371-73B0-6645-38A3CA0269E6}"/>
+              </a:ext>
+            </a:extLst>
+          </p:cNvPr>
+          <p:cNvSpPr txBox="1"/>
+          <p:nvPr/>
+        </p:nvSpPr>
+        <p:spPr>
+          <a:xfrm>
+            <a:off x="5360755" y="6202338"/>
+            <a:ext cx="1167208" cy="246221"/>
+          </a:xfrm>
+          <a:prstGeom prst="rect">
+            <a:avLst/>
+          </a:prstGeom>
+          <a:noFill/>
+        </p:spPr>
+        <p:txBody>
+          <a:bodyPr wrap="square" rtlCol="0">
+            <a:spAutoFit/>
+          </a:bodyPr>
+          <a:lstStyle/>
+          <a:p>
+            <a:r>
+              <a:rPr lang="en-US" altLang="ko-KR" sz="1000" dirty="0"/>
+              <a:t>log file </a:t>
+            </a:r>
+            <a:r>
+              <a:rPr lang="ko-KR" altLang="en-US" sz="1000" dirty="0"/>
+              <a:t>전송</a:t>
+            </a:r>
+          </a:p>
+        </p:txBody>
+      </p:sp>
+      <p:sp>
+        <p:nvSpPr>
+          <p:cNvPr id="70" name="TextBox 69">
+            <a:extLst>
+              <a:ext uri="{FF2B5EF4-FFF2-40B4-BE49-F238E27FC236}">
+                <a16:creationId xmlns:a16="http://schemas.microsoft.com/office/drawing/2014/main" id="{7DC60E60-0912-624F-3924-07319652BB0C}"/>
+              </a:ext>
+            </a:extLst>
+          </p:cNvPr>
+          <p:cNvSpPr txBox="1"/>
+          <p:nvPr/>
+        </p:nvSpPr>
+        <p:spPr>
+          <a:xfrm>
+            <a:off x="4526006" y="2222640"/>
+            <a:ext cx="1233648" cy="553998"/>
+          </a:xfrm>
+          <a:prstGeom prst="rect">
+            <a:avLst/>
+          </a:prstGeom>
+          <a:noFill/>
+        </p:spPr>
+        <p:txBody>
+          <a:bodyPr wrap="square" rtlCol="0">
+            <a:spAutoFit/>
+          </a:bodyPr>
+          <a:lstStyle/>
+          <a:p>
+            <a:r>
+              <a:rPr lang="ko-KR" altLang="en-US" sz="1000" dirty="0"/>
+              <a:t>차량이 있을 시</a:t>
+            </a:r>
+            <a:endParaRPr lang="en-US" altLang="ko-KR" sz="1000" dirty="0"/>
+          </a:p>
+          <a:p>
+            <a:endParaRPr lang="en-US" altLang="ko-KR" sz="1000" dirty="0"/>
+          </a:p>
+          <a:p>
+            <a:r>
+              <a:rPr lang="ko-KR" altLang="en-US" sz="1000" dirty="0"/>
+              <a:t>제어 시그널 전송</a:t>
+            </a:r>
+          </a:p>
+        </p:txBody>
+      </p:sp>
+      <p:cxnSp>
+        <p:nvCxnSpPr>
+          <p:cNvPr id="71" name="직선 화살표 연결선 70">
+            <a:extLst>
+              <a:ext uri="{FF2B5EF4-FFF2-40B4-BE49-F238E27FC236}">
+                <a16:creationId xmlns:a16="http://schemas.microsoft.com/office/drawing/2014/main" id="{DB4DA74D-BAD3-1493-6DCF-8300890BB4E7}"/>
+              </a:ext>
+            </a:extLst>
+          </p:cNvPr>
+          <p:cNvCxnSpPr>
+            <a:cxnSpLocks/>
+          </p:cNvCxnSpPr>
+          <p:nvPr/>
+        </p:nvCxnSpPr>
+        <p:spPr>
+          <a:xfrm flipV="1">
+            <a:off x="3909015" y="2543689"/>
+            <a:ext cx="1857492" cy="2562862"/>
+          </a:xfrm>
+          <a:prstGeom prst="straightConnector1">
+            <a:avLst/>
+          </a:prstGeom>
+          <a:ln w="19050">
+            <a:tailEnd type="triangle"/>
+          </a:ln>
+        </p:spPr>
+        <p:style>
+          <a:lnRef idx="1">
+            <a:schemeClr val="accent1"/>
+          </a:lnRef>
+          <a:fillRef idx="0">
+            <a:schemeClr val="accent1"/>
+          </a:fillRef>
+          <a:effectRef idx="0">
+            <a:schemeClr val="accent1"/>
+          </a:effectRef>
+          <a:fontRef idx="minor">
+            <a:schemeClr val="tx1"/>
+          </a:fontRef>
+        </p:style>
+      </p:cxnSp>
+      <p:cxnSp>
+        <p:nvCxnSpPr>
+          <p:cNvPr id="75" name="직선 화살표 연결선 74">
+            <a:extLst>
+              <a:ext uri="{FF2B5EF4-FFF2-40B4-BE49-F238E27FC236}">
+                <a16:creationId xmlns:a16="http://schemas.microsoft.com/office/drawing/2014/main" id="{5E03DD09-8556-5927-163B-D7AB5D50AC28}"/>
+              </a:ext>
+            </a:extLst>
+          </p:cNvPr>
+          <p:cNvCxnSpPr/>
+          <p:nvPr/>
+        </p:nvCxnSpPr>
+        <p:spPr>
+          <a:xfrm>
+            <a:off x="3838575" y="6178036"/>
+            <a:ext cx="5437581" cy="0"/>
+          </a:xfrm>
+          <a:prstGeom prst="straightConnector1">
+            <a:avLst/>
+          </a:prstGeom>
+          <a:ln w="19050">
+            <a:tailEnd type="triangle"/>
+          </a:ln>
+        </p:spPr>
+        <p:style>
+          <a:lnRef idx="1">
+            <a:schemeClr val="accent1"/>
+          </a:lnRef>
+          <a:fillRef idx="0">
+            <a:schemeClr val="accent1"/>
+          </a:fillRef>
+          <a:effectRef idx="0">
+            <a:schemeClr val="accent1"/>
+          </a:effectRef>
+          <a:fontRef idx="minor">
+            <a:schemeClr val="tx1"/>
+          </a:fontRef>
+        </p:style>
+      </p:cxnSp>
+      <p:cxnSp>
+        <p:nvCxnSpPr>
+          <p:cNvPr id="77" name="직선 화살표 연결선 76">
+            <a:extLst>
+              <a:ext uri="{FF2B5EF4-FFF2-40B4-BE49-F238E27FC236}">
+                <a16:creationId xmlns:a16="http://schemas.microsoft.com/office/drawing/2014/main" id="{EBE1AC48-FC03-F75A-50CA-D6DC45139E3A}"/>
+              </a:ext>
+            </a:extLst>
+          </p:cNvPr>
+          <p:cNvCxnSpPr>
+            <a:cxnSpLocks/>
+          </p:cNvCxnSpPr>
+          <p:nvPr/>
+        </p:nvCxnSpPr>
+        <p:spPr>
+          <a:xfrm flipH="1">
+            <a:off x="3838575" y="5482155"/>
+            <a:ext cx="5437581" cy="0"/>
+          </a:xfrm>
+          <a:prstGeom prst="straightConnector1">
+            <a:avLst/>
+          </a:prstGeom>
+          <a:ln w="19050">
+            <a:tailEnd type="triangle"/>
+          </a:ln>
+        </p:spPr>
+        <p:style>
+          <a:lnRef idx="1">
+            <a:schemeClr val="accent1"/>
+          </a:lnRef>
+          <a:fillRef idx="0">
+            <a:schemeClr val="accent1"/>
+          </a:fillRef>
+          <a:effectRef idx="0">
+            <a:schemeClr val="accent1"/>
+          </a:effectRef>
+          <a:fontRef idx="minor">
+            <a:schemeClr val="tx1"/>
+          </a:fontRef>
+        </p:style>
+      </p:cxnSp>
+      <p:sp>
+        <p:nvSpPr>
+          <p:cNvPr id="78" name="TextBox 77">
+            <a:extLst>
+              <a:ext uri="{FF2B5EF4-FFF2-40B4-BE49-F238E27FC236}">
+                <a16:creationId xmlns:a16="http://schemas.microsoft.com/office/drawing/2014/main" id="{50D6204A-51F1-E7A3-E8F7-45A8780A2417}"/>
+              </a:ext>
+            </a:extLst>
+          </p:cNvPr>
+          <p:cNvSpPr txBox="1"/>
+          <p:nvPr/>
+        </p:nvSpPr>
+        <p:spPr>
+          <a:xfrm>
+            <a:off x="5285315" y="5489631"/>
+            <a:ext cx="2363260" cy="400110"/>
+          </a:xfrm>
+          <a:prstGeom prst="rect">
+            <a:avLst/>
+          </a:prstGeom>
+          <a:noFill/>
+        </p:spPr>
+        <p:txBody>
+          <a:bodyPr wrap="square" rtlCol="0">
+            <a:spAutoFit/>
+          </a:bodyPr>
+          <a:lstStyle/>
+          <a:p>
+            <a:r>
+              <a:rPr lang="en-US" altLang="ko-KR" sz="1000" dirty="0"/>
+              <a:t>log</a:t>
+            </a:r>
+            <a:r>
+              <a:rPr lang="ko-KR" altLang="en-US" sz="1000" dirty="0"/>
+              <a:t> </a:t>
+            </a:r>
+            <a:r>
+              <a:rPr lang="en-US" altLang="ko-KR" sz="1000" dirty="0"/>
+              <a:t>file </a:t>
+            </a:r>
+            <a:r>
+              <a:rPr lang="ko-KR" altLang="en-US" sz="1000" dirty="0"/>
+              <a:t>요청</a:t>
+            </a:r>
+            <a:r>
+              <a:rPr lang="en-US" altLang="ko-KR" sz="1000" dirty="0"/>
+              <a:t>,</a:t>
+            </a:r>
+          </a:p>
+          <a:p>
+            <a:r>
+              <a:rPr lang="en-US" altLang="ko-KR" sz="1000" dirty="0"/>
+              <a:t>Jetson Nano, Arduino </a:t>
+            </a:r>
+            <a:r>
+              <a:rPr lang="ko-KR" altLang="en-US" sz="1000" dirty="0"/>
+              <a:t>제어</a:t>
+            </a:r>
+          </a:p>
+        </p:txBody>
+      </p:sp>
+      <p:sp>
+        <p:nvSpPr>
+          <p:cNvPr id="79" name="TextBox 78">
+            <a:extLst>
+              <a:ext uri="{FF2B5EF4-FFF2-40B4-BE49-F238E27FC236}">
+                <a16:creationId xmlns:a16="http://schemas.microsoft.com/office/drawing/2014/main" id="{E99F6651-4C9C-7FEA-17AA-3451CA041229}"/>
+              </a:ext>
+            </a:extLst>
+          </p:cNvPr>
+          <p:cNvSpPr txBox="1"/>
+          <p:nvPr/>
+        </p:nvSpPr>
+        <p:spPr>
+          <a:xfrm>
+            <a:off x="1585520" y="3576607"/>
+            <a:ext cx="878059" cy="400110"/>
+          </a:xfrm>
+          <a:prstGeom prst="rect">
+            <a:avLst/>
+          </a:prstGeom>
+          <a:noFill/>
+        </p:spPr>
+        <p:txBody>
+          <a:bodyPr wrap="square" rtlCol="0">
+            <a:spAutoFit/>
+          </a:bodyPr>
+          <a:lstStyle/>
+          <a:p>
+            <a:r>
+              <a:rPr lang="ko-KR" altLang="en-US" sz="1000" dirty="0"/>
+              <a:t>전원 </a:t>
+            </a:r>
+            <a:r>
+              <a:rPr lang="en-US" altLang="ko-KR" sz="1000" dirty="0"/>
+              <a:t>off</a:t>
+            </a:r>
+          </a:p>
+          <a:p>
+            <a:r>
+              <a:rPr lang="ko-KR" altLang="en-US" sz="1000" dirty="0"/>
+              <a:t>시그널</a:t>
+            </a:r>
+          </a:p>
+        </p:txBody>
+      </p:sp>
     </p:spTree>
     <p:extLst>
       <p:ext uri="{BB962C8B-B14F-4D97-AF65-F5344CB8AC3E}">

--- a/Logo_Image/프레젠테이션1.pptx
+++ b/Logo_Image/프레젠테이션1.pptx
@@ -3701,7 +3701,7 @@
         </p:blipFill>
         <p:spPr>
           <a:xfrm>
-            <a:off x="455783" y="2557583"/>
+            <a:off x="455783" y="2488520"/>
             <a:ext cx="861373" cy="703121"/>
           </a:xfrm>
           <a:prstGeom prst="rect">
@@ -4041,7 +4041,7 @@
         </p:nvSpPr>
         <p:spPr>
           <a:xfrm>
-            <a:off x="1065674" y="2644338"/>
+            <a:off x="1065674" y="2575275"/>
             <a:ext cx="1130506" cy="276999"/>
           </a:xfrm>
           <a:prstGeom prst="rect">
@@ -4307,7 +4307,7 @@
         </p:nvSpPr>
         <p:spPr>
           <a:xfrm>
-            <a:off x="2609508" y="1825635"/>
+            <a:off x="2547212" y="1774680"/>
             <a:ext cx="1105232" cy="400110"/>
           </a:xfrm>
           <a:prstGeom prst="rect">
@@ -4379,7 +4379,7 @@
         </p:nvSpPr>
         <p:spPr>
           <a:xfrm>
-            <a:off x="1174984" y="2864609"/>
+            <a:off x="1174984" y="2795546"/>
             <a:ext cx="1796864" cy="246221"/>
           </a:xfrm>
           <a:prstGeom prst="rect">
@@ -4435,6 +4435,9 @@
           </a:prstGeom>
           <a:noFill/>
           <a:ln w="19050">
+            <a:solidFill>
+              <a:srgbClr val="00B0F0"/>
+            </a:solidFill>
             <a:prstDash val="sysDash"/>
           </a:ln>
         </p:spPr>
@@ -5411,7 +5414,9 @@
               </a:ext>
             </a:extLst>
           </p:cNvPr>
-          <p:cNvCxnSpPr/>
+          <p:cNvCxnSpPr>
+            <a:cxnSpLocks/>
+          </p:cNvCxnSpPr>
           <p:nvPr/>
         </p:nvCxnSpPr>
         <p:spPr>
@@ -5585,6 +5590,322 @@
               <a:rPr lang="ko-KR" altLang="en-US" sz="1000" dirty="0"/>
               <a:t>시그널</a:t>
             </a:r>
+          </a:p>
+        </p:txBody>
+      </p:sp>
+      <p:cxnSp>
+        <p:nvCxnSpPr>
+          <p:cNvPr id="57" name="직선 화살표 연결선 56">
+            <a:extLst>
+              <a:ext uri="{FF2B5EF4-FFF2-40B4-BE49-F238E27FC236}">
+                <a16:creationId xmlns:a16="http://schemas.microsoft.com/office/drawing/2014/main" id="{35829480-D8AE-4A36-87AE-E99F2E112700}"/>
+              </a:ext>
+            </a:extLst>
+          </p:cNvPr>
+          <p:cNvCxnSpPr>
+            <a:cxnSpLocks/>
+          </p:cNvCxnSpPr>
+          <p:nvPr/>
+        </p:nvCxnSpPr>
+        <p:spPr>
+          <a:xfrm>
+            <a:off x="8193193" y="1824832"/>
+            <a:ext cx="808212" cy="0"/>
+          </a:xfrm>
+          <a:prstGeom prst="straightConnector1">
+            <a:avLst/>
+          </a:prstGeom>
+          <a:ln w="19050">
+            <a:tailEnd type="triangle"/>
+          </a:ln>
+        </p:spPr>
+        <p:style>
+          <a:lnRef idx="1">
+            <a:schemeClr val="accent1"/>
+          </a:lnRef>
+          <a:fillRef idx="0">
+            <a:schemeClr val="accent1"/>
+          </a:fillRef>
+          <a:effectRef idx="0">
+            <a:schemeClr val="accent1"/>
+          </a:effectRef>
+          <a:fontRef idx="minor">
+            <a:schemeClr val="tx1"/>
+          </a:fontRef>
+        </p:style>
+      </p:cxnSp>
+      <p:cxnSp>
+        <p:nvCxnSpPr>
+          <p:cNvPr id="58" name="직선 화살표 연결선 57">
+            <a:extLst>
+              <a:ext uri="{FF2B5EF4-FFF2-40B4-BE49-F238E27FC236}">
+                <a16:creationId xmlns:a16="http://schemas.microsoft.com/office/drawing/2014/main" id="{9BFE4594-45E2-4E83-B118-B3E33885AB0E}"/>
+              </a:ext>
+            </a:extLst>
+          </p:cNvPr>
+          <p:cNvCxnSpPr>
+            <a:cxnSpLocks/>
+          </p:cNvCxnSpPr>
+          <p:nvPr/>
+        </p:nvCxnSpPr>
+        <p:spPr>
+          <a:xfrm flipH="1">
+            <a:off x="8193193" y="2537172"/>
+            <a:ext cx="808212" cy="0"/>
+          </a:xfrm>
+          <a:prstGeom prst="straightConnector1">
+            <a:avLst/>
+          </a:prstGeom>
+          <a:ln w="19050">
+            <a:tailEnd type="triangle"/>
+          </a:ln>
+        </p:spPr>
+        <p:style>
+          <a:lnRef idx="1">
+            <a:schemeClr val="accent1"/>
+          </a:lnRef>
+          <a:fillRef idx="0">
+            <a:schemeClr val="accent1"/>
+          </a:fillRef>
+          <a:effectRef idx="0">
+            <a:schemeClr val="accent1"/>
+          </a:effectRef>
+          <a:fontRef idx="minor">
+            <a:schemeClr val="tx1"/>
+          </a:fontRef>
+        </p:style>
+      </p:cxnSp>
+      <p:sp>
+        <p:nvSpPr>
+          <p:cNvPr id="59" name="TextBox 58">
+            <a:extLst>
+              <a:ext uri="{FF2B5EF4-FFF2-40B4-BE49-F238E27FC236}">
+                <a16:creationId xmlns:a16="http://schemas.microsoft.com/office/drawing/2014/main" id="{063D1E1F-CDE2-459E-BE60-5D465D8B2FF9}"/>
+              </a:ext>
+            </a:extLst>
+          </p:cNvPr>
+          <p:cNvSpPr txBox="1"/>
+          <p:nvPr/>
+        </p:nvSpPr>
+        <p:spPr>
+          <a:xfrm>
+            <a:off x="8059774" y="1157125"/>
+            <a:ext cx="1167208" cy="707886"/>
+          </a:xfrm>
+          <a:prstGeom prst="rect">
+            <a:avLst/>
+          </a:prstGeom>
+          <a:noFill/>
+        </p:spPr>
+        <p:txBody>
+          <a:bodyPr wrap="square" rtlCol="0">
+            <a:spAutoFit/>
+          </a:bodyPr>
+          <a:lstStyle/>
+          <a:p>
+            <a:r>
+              <a:rPr lang="ko-KR" altLang="en-US" sz="1000" dirty="0"/>
+              <a:t>동작 모드 명령</a:t>
+            </a:r>
+            <a:endParaRPr lang="en-US" altLang="ko-KR" sz="1000" dirty="0"/>
+          </a:p>
+          <a:p>
+            <a:endParaRPr lang="en-US" altLang="ko-KR" sz="1000" dirty="0"/>
+          </a:p>
+          <a:p>
+            <a:r>
+              <a:rPr lang="ko-KR" altLang="en-US" sz="1000" dirty="0" err="1"/>
+              <a:t>충전구</a:t>
+            </a:r>
+            <a:r>
+              <a:rPr lang="ko-KR" altLang="en-US" sz="1000" dirty="0"/>
+              <a:t> 좌표 및 거리 데이터</a:t>
+            </a:r>
+          </a:p>
+        </p:txBody>
+      </p:sp>
+      <p:sp>
+        <p:nvSpPr>
+          <p:cNvPr id="61" name="TextBox 60">
+            <a:extLst>
+              <a:ext uri="{FF2B5EF4-FFF2-40B4-BE49-F238E27FC236}">
+                <a16:creationId xmlns:a16="http://schemas.microsoft.com/office/drawing/2014/main" id="{A76AC6DF-FA32-4857-8E92-00759B9B2614}"/>
+              </a:ext>
+            </a:extLst>
+          </p:cNvPr>
+          <p:cNvSpPr txBox="1"/>
+          <p:nvPr/>
+        </p:nvSpPr>
+        <p:spPr>
+          <a:xfrm>
+            <a:off x="8059774" y="2594923"/>
+            <a:ext cx="1167208" cy="553998"/>
+          </a:xfrm>
+          <a:prstGeom prst="rect">
+            <a:avLst/>
+          </a:prstGeom>
+          <a:noFill/>
+        </p:spPr>
+        <p:txBody>
+          <a:bodyPr wrap="square" rtlCol="0">
+            <a:spAutoFit/>
+          </a:bodyPr>
+          <a:lstStyle/>
+          <a:p>
+            <a:r>
+              <a:rPr lang="ko-KR" altLang="en-US" sz="1000" dirty="0" err="1"/>
+              <a:t>충전구</a:t>
+            </a:r>
+            <a:r>
+              <a:rPr lang="ko-KR" altLang="en-US" sz="1000" dirty="0"/>
+              <a:t> 탐색 요청</a:t>
+            </a:r>
+            <a:endParaRPr lang="en-US" altLang="ko-KR" sz="1000" dirty="0"/>
+          </a:p>
+          <a:p>
+            <a:endParaRPr lang="en-US" altLang="ko-KR" sz="1000" dirty="0"/>
+          </a:p>
+          <a:p>
+            <a:r>
+              <a:rPr lang="ko-KR" altLang="en-US" sz="1000" dirty="0"/>
+              <a:t>승인 시그널</a:t>
+            </a:r>
+          </a:p>
+        </p:txBody>
+      </p:sp>
+      <p:sp>
+        <p:nvSpPr>
+          <p:cNvPr id="63" name="TextBox 62">
+            <a:extLst>
+              <a:ext uri="{FF2B5EF4-FFF2-40B4-BE49-F238E27FC236}">
+                <a16:creationId xmlns:a16="http://schemas.microsoft.com/office/drawing/2014/main" id="{5D52B3E0-9A8E-40F6-9BAE-E4098E5F2E15}"/>
+              </a:ext>
+            </a:extLst>
+          </p:cNvPr>
+          <p:cNvSpPr txBox="1"/>
+          <p:nvPr/>
+        </p:nvSpPr>
+        <p:spPr>
+          <a:xfrm>
+            <a:off x="2638048" y="4928300"/>
+            <a:ext cx="1336766" cy="246221"/>
+          </a:xfrm>
+          <a:prstGeom prst="rect">
+            <a:avLst/>
+          </a:prstGeom>
+          <a:noFill/>
+        </p:spPr>
+        <p:txBody>
+          <a:bodyPr wrap="square" rtlCol="0">
+            <a:spAutoFit/>
+          </a:bodyPr>
+          <a:lstStyle/>
+          <a:p>
+            <a:pPr algn="ctr"/>
+            <a:r>
+              <a:rPr lang="ko-KR" altLang="en-US" sz="1000" b="1" dirty="0"/>
+              <a:t>메인 서버</a:t>
+            </a:r>
+          </a:p>
+        </p:txBody>
+      </p:sp>
+      <p:sp>
+        <p:nvSpPr>
+          <p:cNvPr id="65" name="사각형: 둥근 모서리 64">
+            <a:extLst>
+              <a:ext uri="{FF2B5EF4-FFF2-40B4-BE49-F238E27FC236}">
+                <a16:creationId xmlns:a16="http://schemas.microsoft.com/office/drawing/2014/main" id="{49B33881-E77C-4FAD-95ED-0552BE27F195}"/>
+              </a:ext>
+            </a:extLst>
+          </p:cNvPr>
+          <p:cNvSpPr/>
+          <p:nvPr/>
+        </p:nvSpPr>
+        <p:spPr>
+          <a:xfrm>
+            <a:off x="301645" y="627948"/>
+            <a:ext cx="3317598" cy="1572445"/>
+          </a:xfrm>
+          <a:prstGeom prst="roundRect">
+            <a:avLst/>
+          </a:prstGeom>
+          <a:noFill/>
+          <a:ln w="19050">
+            <a:prstDash val="sysDash"/>
+          </a:ln>
+        </p:spPr>
+        <p:style>
+          <a:lnRef idx="2">
+            <a:schemeClr val="accent1">
+              <a:shade val="50000"/>
+            </a:schemeClr>
+          </a:lnRef>
+          <a:fillRef idx="1">
+            <a:schemeClr val="accent1"/>
+          </a:fillRef>
+          <a:effectRef idx="0">
+            <a:schemeClr val="accent1"/>
+          </a:effectRef>
+          <a:fontRef idx="minor">
+            <a:schemeClr val="lt1"/>
+          </a:fontRef>
+        </p:style>
+        <p:txBody>
+          <a:bodyPr rtlCol="0" anchor="ctr"/>
+          <a:lstStyle/>
+          <a:p>
+            <a:pPr algn="ctr"/>
+            <a:endParaRPr lang="ko-KR" altLang="en-US"/>
+          </a:p>
+        </p:txBody>
+      </p:sp>
+      <p:sp>
+        <p:nvSpPr>
+          <p:cNvPr id="66" name="사각형: 둥근 모서리 65">
+            <a:extLst>
+              <a:ext uri="{FF2B5EF4-FFF2-40B4-BE49-F238E27FC236}">
+                <a16:creationId xmlns:a16="http://schemas.microsoft.com/office/drawing/2014/main" id="{0C466B88-85CE-4D00-AEA2-C4B8CC4999FF}"/>
+              </a:ext>
+            </a:extLst>
+          </p:cNvPr>
+          <p:cNvSpPr/>
+          <p:nvPr/>
+        </p:nvSpPr>
+        <p:spPr>
+          <a:xfrm>
+            <a:off x="291999" y="2510383"/>
+            <a:ext cx="3317598" cy="681258"/>
+          </a:xfrm>
+          <a:prstGeom prst="roundRect">
+            <a:avLst/>
+          </a:prstGeom>
+          <a:noFill/>
+          <a:ln w="19050">
+            <a:prstDash val="sysDash"/>
+          </a:ln>
+        </p:spPr>
+        <p:style>
+          <a:lnRef idx="2">
+            <a:schemeClr val="accent1">
+              <a:shade val="50000"/>
+            </a:schemeClr>
+          </a:lnRef>
+          <a:fillRef idx="1">
+            <a:schemeClr val="accent1"/>
+          </a:fillRef>
+          <a:effectRef idx="0">
+            <a:schemeClr val="accent1"/>
+          </a:effectRef>
+          <a:fontRef idx="minor">
+            <a:schemeClr val="lt1"/>
+          </a:fontRef>
+        </p:style>
+        <p:txBody>
+          <a:bodyPr rtlCol="0" anchor="ctr"/>
+          <a:lstStyle/>
+          <a:p>
+            <a:pPr algn="ctr"/>
+            <a:endParaRPr lang="ko-KR" altLang="en-US"/>
           </a:p>
         </p:txBody>
       </p:sp>
